--- a/StatégiaiJáték.pptx
+++ b/StatégiaiJáték.pptx
@@ -7,6 +7,16 @@
   <p:sldIdLst>
     <p:sldId id="256" r:id="rId2"/>
     <p:sldId id="257" r:id="rId3"/>
+    <p:sldId id="258" r:id="rId4"/>
+    <p:sldId id="260" r:id="rId5"/>
+    <p:sldId id="259" r:id="rId6"/>
+    <p:sldId id="262" r:id="rId7"/>
+    <p:sldId id="263" r:id="rId8"/>
+    <p:sldId id="264" r:id="rId9"/>
+    <p:sldId id="265" r:id="rId10"/>
+    <p:sldId id="266" r:id="rId11"/>
+    <p:sldId id="267" r:id="rId12"/>
+    <p:sldId id="261" r:id="rId13"/>
   </p:sldIdLst>
   <p:sldSz cx="12192000" cy="6858000"/>
   <p:notesSz cx="6858000" cy="9144000"/>
@@ -105,6 +115,11 @@
       </a:defRPr>
     </a:lvl9pPr>
   </p:defaultTextStyle>
+  <p:extLst>
+    <p:ext uri="{EFAFB233-063F-42B5-8137-9DF3F51BA10A}">
+      <p15:sldGuideLst xmlns:p15="http://schemas.microsoft.com/office/powerpoint/2012/main"/>
+    </p:ext>
+  </p:extLst>
 </p:presentation>
 </file>
 
@@ -239,7 +254,7 @@
           <a:p>
             <a:fld id="{40B36233-CCDF-4570-A4E3-6B89F49A96A3}" type="datetimeFigureOut">
               <a:rPr lang="hu-HU" smtClean="0"/>
-              <a:t>2019. 04. 14.</a:t>
+              <a:t>2019. 04. 20.</a:t>
             </a:fld>
             <a:endParaRPr lang="hu-HU"/>
           </a:p>
@@ -409,7 +424,7 @@
           <a:p>
             <a:fld id="{40B36233-CCDF-4570-A4E3-6B89F49A96A3}" type="datetimeFigureOut">
               <a:rPr lang="hu-HU" smtClean="0"/>
-              <a:t>2019. 04. 14.</a:t>
+              <a:t>2019. 04. 20.</a:t>
             </a:fld>
             <a:endParaRPr lang="hu-HU"/>
           </a:p>
@@ -589,7 +604,7 @@
           <a:p>
             <a:fld id="{40B36233-CCDF-4570-A4E3-6B89F49A96A3}" type="datetimeFigureOut">
               <a:rPr lang="hu-HU" smtClean="0"/>
-              <a:t>2019. 04. 14.</a:t>
+              <a:t>2019. 04. 20.</a:t>
             </a:fld>
             <a:endParaRPr lang="hu-HU"/>
           </a:p>
@@ -759,7 +774,7 @@
           <a:p>
             <a:fld id="{40B36233-CCDF-4570-A4E3-6B89F49A96A3}" type="datetimeFigureOut">
               <a:rPr lang="hu-HU" smtClean="0"/>
-              <a:t>2019. 04. 14.</a:t>
+              <a:t>2019. 04. 20.</a:t>
             </a:fld>
             <a:endParaRPr lang="hu-HU"/>
           </a:p>
@@ -1005,7 +1020,7 @@
           <a:p>
             <a:fld id="{40B36233-CCDF-4570-A4E3-6B89F49A96A3}" type="datetimeFigureOut">
               <a:rPr lang="hu-HU" smtClean="0"/>
-              <a:t>2019. 04. 14.</a:t>
+              <a:t>2019. 04. 20.</a:t>
             </a:fld>
             <a:endParaRPr lang="hu-HU"/>
           </a:p>
@@ -1237,7 +1252,7 @@
           <a:p>
             <a:fld id="{40B36233-CCDF-4570-A4E3-6B89F49A96A3}" type="datetimeFigureOut">
               <a:rPr lang="hu-HU" smtClean="0"/>
-              <a:t>2019. 04. 14.</a:t>
+              <a:t>2019. 04. 20.</a:t>
             </a:fld>
             <a:endParaRPr lang="hu-HU"/>
           </a:p>
@@ -1604,7 +1619,7 @@
           <a:p>
             <a:fld id="{40B36233-CCDF-4570-A4E3-6B89F49A96A3}" type="datetimeFigureOut">
               <a:rPr lang="hu-HU" smtClean="0"/>
-              <a:t>2019. 04. 14.</a:t>
+              <a:t>2019. 04. 20.</a:t>
             </a:fld>
             <a:endParaRPr lang="hu-HU"/>
           </a:p>
@@ -1722,7 +1737,7 @@
           <a:p>
             <a:fld id="{40B36233-CCDF-4570-A4E3-6B89F49A96A3}" type="datetimeFigureOut">
               <a:rPr lang="hu-HU" smtClean="0"/>
-              <a:t>2019. 04. 14.</a:t>
+              <a:t>2019. 04. 20.</a:t>
             </a:fld>
             <a:endParaRPr lang="hu-HU"/>
           </a:p>
@@ -1817,7 +1832,7 @@
           <a:p>
             <a:fld id="{40B36233-CCDF-4570-A4E3-6B89F49A96A3}" type="datetimeFigureOut">
               <a:rPr lang="hu-HU" smtClean="0"/>
-              <a:t>2019. 04. 14.</a:t>
+              <a:t>2019. 04. 20.</a:t>
             </a:fld>
             <a:endParaRPr lang="hu-HU"/>
           </a:p>
@@ -2094,7 +2109,7 @@
           <a:p>
             <a:fld id="{40B36233-CCDF-4570-A4E3-6B89F49A96A3}" type="datetimeFigureOut">
               <a:rPr lang="hu-HU" smtClean="0"/>
-              <a:t>2019. 04. 14.</a:t>
+              <a:t>2019. 04. 20.</a:t>
             </a:fld>
             <a:endParaRPr lang="hu-HU"/>
           </a:p>
@@ -2347,7 +2362,7 @@
           <a:p>
             <a:fld id="{40B36233-CCDF-4570-A4E3-6B89F49A96A3}" type="datetimeFigureOut">
               <a:rPr lang="hu-HU" smtClean="0"/>
-              <a:t>2019. 04. 14.</a:t>
+              <a:t>2019. 04. 20.</a:t>
             </a:fld>
             <a:endParaRPr lang="hu-HU"/>
           </a:p>
@@ -2565,7 +2580,7 @@
           <a:p>
             <a:fld id="{40B36233-CCDF-4570-A4E3-6B89F49A96A3}" type="datetimeFigureOut">
               <a:rPr lang="hu-HU" smtClean="0"/>
-              <a:t>2019. 04. 14.</a:t>
+              <a:t>2019. 04. 20.</a:t>
             </a:fld>
             <a:endParaRPr lang="hu-HU"/>
           </a:p>
@@ -3018,6 +3033,219 @@
 </p:sld>
 </file>
 
+<file path=ppt/slides/slide10.xml><?xml version="1.0" encoding="utf-8"?>
+<p:sld xmlns:a="http://schemas.openxmlformats.org/drawingml/2006/main" xmlns:r="http://schemas.openxmlformats.org/officeDocument/2006/relationships" xmlns:p="http://schemas.openxmlformats.org/presentationml/2006/main">
+  <p:cSld>
+    <p:spTree>
+      <p:nvGrpSpPr>
+        <p:cNvPr id="1" name=""/>
+        <p:cNvGrpSpPr/>
+        <p:nvPr/>
+      </p:nvGrpSpPr>
+      <p:grpSpPr>
+        <a:xfrm>
+          <a:off x="0" y="0"/>
+          <a:ext cx="0" cy="0"/>
+          <a:chOff x="0" y="0"/>
+          <a:chExt cx="0" cy="0"/>
+        </a:xfrm>
+      </p:grpSpPr>
+      <p:sp>
+        <p:nvSpPr>
+          <p:cNvPr id="2" name="Cím 1"/>
+          <p:cNvSpPr>
+            <a:spLocks noGrp="1"/>
+          </p:cNvSpPr>
+          <p:nvPr>
+            <p:ph type="title"/>
+          </p:nvPr>
+        </p:nvSpPr>
+        <p:spPr>
+          <a:xfrm>
+            <a:off x="0" y="0"/>
+            <a:ext cx="12192000" cy="6857999"/>
+          </a:xfrm>
+        </p:spPr>
+        <p:txBody>
+          <a:bodyPr/>
+          <a:lstStyle/>
+          <a:p>
+            <a:pPr algn="ctr"/>
+            <a:r>
+              <a:rPr lang="hu-HU" dirty="0" smtClean="0"/>
+              <a:t>Végső osztály diagram</a:t>
+            </a:r>
+            <a:endParaRPr lang="hu-HU" dirty="0"/>
+          </a:p>
+        </p:txBody>
+      </p:sp>
+    </p:spTree>
+    <p:extLst>
+      <p:ext uri="{BB962C8B-B14F-4D97-AF65-F5344CB8AC3E}">
+        <p14:creationId xmlns:p14="http://schemas.microsoft.com/office/powerpoint/2010/main" val="1761968469"/>
+      </p:ext>
+    </p:extLst>
+  </p:cSld>
+  <p:clrMapOvr>
+    <a:masterClrMapping/>
+  </p:clrMapOvr>
+</p:sld>
+</file>
+
+<file path=ppt/slides/slide11.xml><?xml version="1.0" encoding="utf-8"?>
+<p:sld xmlns:a="http://schemas.openxmlformats.org/drawingml/2006/main" xmlns:r="http://schemas.openxmlformats.org/officeDocument/2006/relationships" xmlns:p="http://schemas.openxmlformats.org/presentationml/2006/main">
+  <p:cSld>
+    <p:spTree>
+      <p:nvGrpSpPr>
+        <p:cNvPr id="1" name=""/>
+        <p:cNvGrpSpPr/>
+        <p:nvPr/>
+      </p:nvGrpSpPr>
+      <p:grpSpPr>
+        <a:xfrm>
+          <a:off x="0" y="0"/>
+          <a:ext cx="0" cy="0"/>
+          <a:chOff x="0" y="0"/>
+          <a:chExt cx="0" cy="0"/>
+        </a:xfrm>
+      </p:grpSpPr>
+      <p:pic>
+        <p:nvPicPr>
+          <p:cNvPr id="4" name="Tartalom helye 3"/>
+          <p:cNvPicPr>
+            <a:picLocks noGrp="1" noChangeAspect="1"/>
+          </p:cNvPicPr>
+          <p:nvPr>
+            <p:ph idx="1"/>
+          </p:nvPr>
+        </p:nvPicPr>
+        <p:blipFill>
+          <a:blip r:embed="rId2">
+            <a:extLst>
+              <a:ext uri="{28A0092B-C50C-407E-A947-70E740481C1C}">
+                <a14:useLocalDpi xmlns:a14="http://schemas.microsoft.com/office/drawing/2010/main" val="0"/>
+              </a:ext>
+            </a:extLst>
+          </a:blip>
+          <a:stretch>
+            <a:fillRect/>
+          </a:stretch>
+        </p:blipFill>
+        <p:spPr>
+          <a:xfrm>
+            <a:off x="11018" y="0"/>
+            <a:ext cx="12180982" cy="6176963"/>
+          </a:xfrm>
+        </p:spPr>
+      </p:pic>
+    </p:spTree>
+    <p:extLst>
+      <p:ext uri="{BB962C8B-B14F-4D97-AF65-F5344CB8AC3E}">
+        <p14:creationId xmlns:p14="http://schemas.microsoft.com/office/powerpoint/2010/main" val="3220654662"/>
+      </p:ext>
+    </p:extLst>
+  </p:cSld>
+  <p:clrMapOvr>
+    <a:masterClrMapping/>
+  </p:clrMapOvr>
+</p:sld>
+</file>
+
+<file path=ppt/slides/slide12.xml><?xml version="1.0" encoding="utf-8"?>
+<p:sld xmlns:a="http://schemas.openxmlformats.org/drawingml/2006/main" xmlns:r="http://schemas.openxmlformats.org/officeDocument/2006/relationships" xmlns:p="http://schemas.openxmlformats.org/presentationml/2006/main">
+  <p:cSld>
+    <p:spTree>
+      <p:nvGrpSpPr>
+        <p:cNvPr id="1" name=""/>
+        <p:cNvGrpSpPr/>
+        <p:nvPr/>
+      </p:nvGrpSpPr>
+      <p:grpSpPr>
+        <a:xfrm>
+          <a:off x="0" y="0"/>
+          <a:ext cx="0" cy="0"/>
+          <a:chOff x="0" y="0"/>
+          <a:chExt cx="0" cy="0"/>
+        </a:xfrm>
+      </p:grpSpPr>
+      <p:sp>
+        <p:nvSpPr>
+          <p:cNvPr id="2" name="Cím 1"/>
+          <p:cNvSpPr>
+            <a:spLocks noGrp="1"/>
+          </p:cNvSpPr>
+          <p:nvPr>
+            <p:ph type="title"/>
+          </p:nvPr>
+        </p:nvSpPr>
+        <p:spPr/>
+        <p:txBody>
+          <a:bodyPr/>
+          <a:lstStyle/>
+          <a:p>
+            <a:r>
+              <a:rPr lang="hu-HU" dirty="0" smtClean="0"/>
+              <a:t>Tanulságok</a:t>
+            </a:r>
+            <a:endParaRPr lang="hu-HU" dirty="0"/>
+          </a:p>
+        </p:txBody>
+      </p:sp>
+      <p:sp>
+        <p:nvSpPr>
+          <p:cNvPr id="3" name="Tartalom helye 2"/>
+          <p:cNvSpPr>
+            <a:spLocks noGrp="1"/>
+          </p:cNvSpPr>
+          <p:nvPr>
+            <p:ph idx="1"/>
+          </p:nvPr>
+        </p:nvSpPr>
+        <p:spPr/>
+        <p:txBody>
+          <a:bodyPr/>
+          <a:lstStyle/>
+          <a:p>
+            <a:r>
+              <a:rPr lang="hu-HU" dirty="0" smtClean="0"/>
+              <a:t>Ez alapján készítettem az osztályokat, és a csomagokat, névtereket</a:t>
+            </a:r>
+          </a:p>
+          <a:p>
+            <a:r>
+              <a:rPr lang="hu-HU" dirty="0" smtClean="0"/>
+              <a:t>Tanulság1: Ne legyen a tervezes több idő, mint a kódolás maga.</a:t>
+            </a:r>
+          </a:p>
+          <a:p>
+            <a:r>
+              <a:rPr lang="hu-HU" dirty="0" smtClean="0"/>
+              <a:t>Tanulsag2 : Hagyj időt a kódolásra is, mert ott jönnek elő azok a hibák, amik számolgatva, </a:t>
+            </a:r>
+            <a:r>
+              <a:rPr lang="hu-HU" smtClean="0"/>
+              <a:t>nézelődve nem </a:t>
+            </a:r>
+            <a:r>
+              <a:rPr lang="hu-HU" dirty="0" smtClean="0"/>
+              <a:t>mindig ugranak be</a:t>
+            </a:r>
+          </a:p>
+        </p:txBody>
+      </p:sp>
+    </p:spTree>
+    <p:extLst>
+      <p:ext uri="{BB962C8B-B14F-4D97-AF65-F5344CB8AC3E}">
+        <p14:creationId xmlns:p14="http://schemas.microsoft.com/office/powerpoint/2010/main" val="1796306"/>
+      </p:ext>
+    </p:extLst>
+  </p:cSld>
+  <p:clrMapOvr>
+    <a:masterClrMapping/>
+  </p:clrMapOvr>
+</p:sld>
+</file>
+
 <file path=ppt/slides/slide2.xml><?xml version="1.0" encoding="utf-8"?>
 <p:sld xmlns:a="http://schemas.openxmlformats.org/drawingml/2006/main" xmlns:r="http://schemas.openxmlformats.org/officeDocument/2006/relationships" xmlns:p="http://schemas.openxmlformats.org/presentationml/2006/main">
   <p:cSld>
@@ -3050,7 +3278,11 @@
           <a:bodyPr/>
           <a:lstStyle/>
           <a:p>
-            <a:endParaRPr lang="hu-HU"/>
+            <a:r>
+              <a:rPr lang="hu-HU" dirty="0" smtClean="0"/>
+              <a:t>Alap koncepció</a:t>
+            </a:r>
+            <a:endParaRPr lang="hu-HU" dirty="0"/>
           </a:p>
         </p:txBody>
       </p:sp>
@@ -3069,7 +3301,41 @@
           <a:bodyPr/>
           <a:lstStyle/>
           <a:p>
-            <a:endParaRPr lang="hu-HU"/>
+            <a:r>
+              <a:rPr lang="hu-HU" dirty="0" smtClean="0"/>
+              <a:t>Stratégiai játék:	</a:t>
+            </a:r>
+            <a:endParaRPr lang="hu-HU" dirty="0"/>
+          </a:p>
+          <a:p>
+            <a:r>
+              <a:rPr lang="hu-HU" dirty="0" smtClean="0"/>
+              <a:t>Legyenek nyersanyagok</a:t>
+            </a:r>
+          </a:p>
+          <a:p>
+            <a:r>
+              <a:rPr lang="hu-HU" dirty="0" smtClean="0"/>
+              <a:t>Legyenek mezők, amik termelnek, vagy tárolnak, vagy mindkettő</a:t>
+            </a:r>
+          </a:p>
+          <a:p>
+            <a:r>
+              <a:rPr lang="hu-HU" dirty="0" smtClean="0"/>
+              <a:t>Legyenek játékosok, akik kezelik a termelést, tárolást</a:t>
+            </a:r>
+          </a:p>
+          <a:p>
+            <a:r>
+              <a:rPr lang="hu-HU" dirty="0" smtClean="0"/>
+              <a:t>Lehessen támadni, védekezni</a:t>
+            </a:r>
+          </a:p>
+          <a:p>
+            <a:pPr marL="0" indent="0">
+              <a:buNone/>
+            </a:pPr>
+            <a:endParaRPr lang="hu-HU" dirty="0" smtClean="0"/>
           </a:p>
         </p:txBody>
       </p:sp>
@@ -3077,6 +3343,546 @@
     <p:extLst>
       <p:ext uri="{BB962C8B-B14F-4D97-AF65-F5344CB8AC3E}">
         <p14:creationId xmlns:p14="http://schemas.microsoft.com/office/powerpoint/2010/main" val="908134961"/>
+      </p:ext>
+    </p:extLst>
+  </p:cSld>
+  <p:clrMapOvr>
+    <a:masterClrMapping/>
+  </p:clrMapOvr>
+</p:sld>
+</file>
+
+<file path=ppt/slides/slide3.xml><?xml version="1.0" encoding="utf-8"?>
+<p:sld xmlns:a="http://schemas.openxmlformats.org/drawingml/2006/main" xmlns:r="http://schemas.openxmlformats.org/officeDocument/2006/relationships" xmlns:p="http://schemas.openxmlformats.org/presentationml/2006/main">
+  <p:cSld>
+    <p:spTree>
+      <p:nvGrpSpPr>
+        <p:cNvPr id="1" name=""/>
+        <p:cNvGrpSpPr/>
+        <p:nvPr/>
+      </p:nvGrpSpPr>
+      <p:grpSpPr>
+        <a:xfrm>
+          <a:off x="0" y="0"/>
+          <a:ext cx="0" cy="0"/>
+          <a:chOff x="0" y="0"/>
+          <a:chExt cx="0" cy="0"/>
+        </a:xfrm>
+      </p:grpSpPr>
+      <p:sp>
+        <p:nvSpPr>
+          <p:cNvPr id="2" name="Cím 1"/>
+          <p:cNvSpPr>
+            <a:spLocks noGrp="1"/>
+          </p:cNvSpPr>
+          <p:nvPr>
+            <p:ph type="title"/>
+          </p:nvPr>
+        </p:nvSpPr>
+        <p:spPr/>
+        <p:txBody>
+          <a:bodyPr/>
+          <a:lstStyle/>
+          <a:p>
+            <a:r>
+              <a:rPr lang="hu-HU" dirty="0" smtClean="0"/>
+              <a:t>Feladatok</a:t>
+            </a:r>
+            <a:endParaRPr lang="hu-HU" dirty="0"/>
+          </a:p>
+        </p:txBody>
+      </p:sp>
+      <p:sp>
+        <p:nvSpPr>
+          <p:cNvPr id="3" name="Tartalom helye 2"/>
+          <p:cNvSpPr>
+            <a:spLocks noGrp="1"/>
+          </p:cNvSpPr>
+          <p:nvPr>
+            <p:ph idx="1"/>
+          </p:nvPr>
+        </p:nvSpPr>
+        <p:spPr/>
+        <p:txBody>
+          <a:bodyPr/>
+          <a:lstStyle/>
+          <a:p>
+            <a:r>
+              <a:rPr lang="hu-HU" dirty="0" smtClean="0"/>
+              <a:t>Mindenki önmagáért legyen felelős  (OO)</a:t>
+            </a:r>
+          </a:p>
+          <a:p>
+            <a:r>
+              <a:rPr lang="hu-HU" dirty="0" smtClean="0"/>
+              <a:t>Felelősségek: Termelés, Tárolás (Mezők)</a:t>
+            </a:r>
+          </a:p>
+          <a:p>
+            <a:r>
+              <a:rPr lang="hu-HU" dirty="0" smtClean="0"/>
+              <a:t>Kiíratás (</a:t>
+            </a:r>
+            <a:r>
+              <a:rPr lang="hu-HU" dirty="0" err="1" smtClean="0"/>
+              <a:t>Logger</a:t>
+            </a:r>
+            <a:r>
+              <a:rPr lang="hu-HU" dirty="0" smtClean="0"/>
+              <a:t>)</a:t>
+            </a:r>
+          </a:p>
+          <a:p>
+            <a:r>
+              <a:rPr lang="hu-HU" dirty="0" smtClean="0"/>
+              <a:t>Interakció (</a:t>
+            </a:r>
+            <a:r>
+              <a:rPr lang="hu-HU" dirty="0" err="1" smtClean="0"/>
+              <a:t>Render</a:t>
+            </a:r>
+            <a:r>
+              <a:rPr lang="hu-HU" dirty="0" smtClean="0"/>
+              <a:t>)</a:t>
+            </a:r>
+          </a:p>
+          <a:p>
+            <a:r>
+              <a:rPr lang="hu-HU" dirty="0" smtClean="0"/>
+              <a:t>Játékosok kezelése (</a:t>
+            </a:r>
+            <a:r>
+              <a:rPr lang="hu-HU" dirty="0" err="1" smtClean="0"/>
+              <a:t>Jatek</a:t>
+            </a:r>
+            <a:r>
+              <a:rPr lang="hu-HU" dirty="0" smtClean="0"/>
+              <a:t>)</a:t>
+            </a:r>
+          </a:p>
+          <a:p>
+            <a:r>
+              <a:rPr lang="hu-HU" dirty="0" smtClean="0"/>
+              <a:t>Játékosok saját mezők kezelése, támadás, védekezés, Termelési ciklus kezelése (</a:t>
+            </a:r>
+            <a:r>
+              <a:rPr lang="hu-HU" dirty="0" err="1" smtClean="0"/>
+              <a:t>Jatekos</a:t>
+            </a:r>
+            <a:r>
+              <a:rPr lang="hu-HU" dirty="0" smtClean="0"/>
+              <a:t>)</a:t>
+            </a:r>
+            <a:endParaRPr lang="hu-HU" dirty="0"/>
+          </a:p>
+        </p:txBody>
+      </p:sp>
+    </p:spTree>
+    <p:extLst>
+      <p:ext uri="{BB962C8B-B14F-4D97-AF65-F5344CB8AC3E}">
+        <p14:creationId xmlns:p14="http://schemas.microsoft.com/office/powerpoint/2010/main" val="1217815154"/>
+      </p:ext>
+    </p:extLst>
+  </p:cSld>
+  <p:clrMapOvr>
+    <a:masterClrMapping/>
+  </p:clrMapOvr>
+</p:sld>
+</file>
+
+<file path=ppt/slides/slide4.xml><?xml version="1.0" encoding="utf-8"?>
+<p:sld xmlns:a="http://schemas.openxmlformats.org/drawingml/2006/main" xmlns:r="http://schemas.openxmlformats.org/officeDocument/2006/relationships" xmlns:p="http://schemas.openxmlformats.org/presentationml/2006/main">
+  <p:cSld>
+    <p:spTree>
+      <p:nvGrpSpPr>
+        <p:cNvPr id="1" name=""/>
+        <p:cNvGrpSpPr/>
+        <p:nvPr/>
+      </p:nvGrpSpPr>
+      <p:grpSpPr>
+        <a:xfrm>
+          <a:off x="0" y="0"/>
+          <a:ext cx="0" cy="0"/>
+          <a:chOff x="0" y="0"/>
+          <a:chExt cx="0" cy="0"/>
+        </a:xfrm>
+      </p:grpSpPr>
+      <p:sp>
+        <p:nvSpPr>
+          <p:cNvPr id="4" name="Cím 1"/>
+          <p:cNvSpPr>
+            <a:spLocks noGrp="1"/>
+          </p:cNvSpPr>
+          <p:nvPr>
+            <p:ph type="title"/>
+          </p:nvPr>
+        </p:nvSpPr>
+        <p:spPr>
+          <a:xfrm>
+            <a:off x="0" y="0"/>
+            <a:ext cx="12192000" cy="6857999"/>
+          </a:xfrm>
+        </p:spPr>
+        <p:txBody>
+          <a:bodyPr/>
+          <a:lstStyle/>
+          <a:p>
+            <a:pPr algn="ctr"/>
+            <a:r>
+              <a:rPr lang="hu-HU" dirty="0" smtClean="0"/>
+              <a:t>Elindulási alap avagy hogyan szeretem volna, hogy működjön </a:t>
+            </a:r>
+            <a:br>
+              <a:rPr lang="hu-HU" dirty="0" smtClean="0"/>
+            </a:br>
+            <a:r>
+              <a:rPr lang="hu-HU" dirty="0" smtClean="0"/>
+              <a:t>Avagy a Játékmenet</a:t>
+            </a:r>
+            <a:endParaRPr lang="hu-HU" dirty="0"/>
+          </a:p>
+        </p:txBody>
+      </p:sp>
+    </p:spTree>
+    <p:extLst>
+      <p:ext uri="{BB962C8B-B14F-4D97-AF65-F5344CB8AC3E}">
+        <p14:creationId xmlns:p14="http://schemas.microsoft.com/office/powerpoint/2010/main" val="1160865091"/>
+      </p:ext>
+    </p:extLst>
+  </p:cSld>
+  <p:clrMapOvr>
+    <a:masterClrMapping/>
+  </p:clrMapOvr>
+</p:sld>
+</file>
+
+<file path=ppt/slides/slide5.xml><?xml version="1.0" encoding="utf-8"?>
+<p:sld xmlns:a="http://schemas.openxmlformats.org/drawingml/2006/main" xmlns:r="http://schemas.openxmlformats.org/officeDocument/2006/relationships" xmlns:p="http://schemas.openxmlformats.org/presentationml/2006/main">
+  <p:cSld>
+    <p:spTree>
+      <p:nvGrpSpPr>
+        <p:cNvPr id="1" name=""/>
+        <p:cNvGrpSpPr/>
+        <p:nvPr/>
+      </p:nvGrpSpPr>
+      <p:grpSpPr>
+        <a:xfrm>
+          <a:off x="0" y="0"/>
+          <a:ext cx="0" cy="0"/>
+          <a:chOff x="0" y="0"/>
+          <a:chExt cx="0" cy="0"/>
+        </a:xfrm>
+      </p:grpSpPr>
+      <p:sp>
+        <p:nvSpPr>
+          <p:cNvPr id="7" name="Cím 6"/>
+          <p:cNvSpPr>
+            <a:spLocks noGrp="1"/>
+          </p:cNvSpPr>
+          <p:nvPr>
+            <p:ph type="title"/>
+          </p:nvPr>
+        </p:nvSpPr>
+        <p:spPr/>
+        <p:txBody>
+          <a:bodyPr/>
+          <a:lstStyle/>
+          <a:p>
+            <a:endParaRPr lang="hu-HU"/>
+          </a:p>
+        </p:txBody>
+      </p:sp>
+      <p:pic>
+        <p:nvPicPr>
+          <p:cNvPr id="6" name="Tartalom helye 5"/>
+          <p:cNvPicPr>
+            <a:picLocks noGrp="1" noChangeAspect="1"/>
+          </p:cNvPicPr>
+          <p:nvPr>
+            <p:ph idx="1"/>
+          </p:nvPr>
+        </p:nvPicPr>
+        <p:blipFill>
+          <a:blip r:embed="rId2" cstate="print">
+            <a:extLst>
+              <a:ext uri="{28A0092B-C50C-407E-A947-70E740481C1C}">
+                <a14:useLocalDpi xmlns:a14="http://schemas.microsoft.com/office/drawing/2010/main" val="0"/>
+              </a:ext>
+            </a:extLst>
+          </a:blip>
+          <a:stretch>
+            <a:fillRect/>
+          </a:stretch>
+        </p:blipFill>
+        <p:spPr>
+          <a:xfrm>
+            <a:off x="0" y="1"/>
+            <a:ext cx="12192000" cy="6865184"/>
+          </a:xfrm>
+          <a:ln>
+            <a:noFill/>
+          </a:ln>
+        </p:spPr>
+      </p:pic>
+    </p:spTree>
+    <p:extLst>
+      <p:ext uri="{BB962C8B-B14F-4D97-AF65-F5344CB8AC3E}">
+        <p14:creationId xmlns:p14="http://schemas.microsoft.com/office/powerpoint/2010/main" val="2675178960"/>
+      </p:ext>
+    </p:extLst>
+  </p:cSld>
+  <p:clrMapOvr>
+    <a:masterClrMapping/>
+  </p:clrMapOvr>
+</p:sld>
+</file>
+
+<file path=ppt/slides/slide6.xml><?xml version="1.0" encoding="utf-8"?>
+<p:sld xmlns:a="http://schemas.openxmlformats.org/drawingml/2006/main" xmlns:r="http://schemas.openxmlformats.org/officeDocument/2006/relationships" xmlns:p="http://schemas.openxmlformats.org/presentationml/2006/main">
+  <p:cSld>
+    <p:spTree>
+      <p:nvGrpSpPr>
+        <p:cNvPr id="1" name=""/>
+        <p:cNvGrpSpPr/>
+        <p:nvPr/>
+      </p:nvGrpSpPr>
+      <p:grpSpPr>
+        <a:xfrm>
+          <a:off x="0" y="0"/>
+          <a:ext cx="0" cy="0"/>
+          <a:chOff x="0" y="0"/>
+          <a:chExt cx="0" cy="0"/>
+        </a:xfrm>
+      </p:grpSpPr>
+      <p:sp>
+        <p:nvSpPr>
+          <p:cNvPr id="2" name="Cím 1"/>
+          <p:cNvSpPr>
+            <a:spLocks noGrp="1"/>
+          </p:cNvSpPr>
+          <p:nvPr>
+            <p:ph type="title"/>
+          </p:nvPr>
+        </p:nvSpPr>
+        <p:spPr>
+          <a:xfrm>
+            <a:off x="0" y="0"/>
+            <a:ext cx="12192000" cy="6791325"/>
+          </a:xfrm>
+        </p:spPr>
+        <p:txBody>
+          <a:bodyPr/>
+          <a:lstStyle/>
+          <a:p>
+            <a:pPr algn="ctr"/>
+            <a:r>
+              <a:rPr lang="hu-HU" dirty="0" smtClean="0"/>
+              <a:t>Kódolás előtti osztálydiagram</a:t>
+            </a:r>
+            <a:endParaRPr lang="hu-HU" dirty="0"/>
+          </a:p>
+        </p:txBody>
+      </p:sp>
+    </p:spTree>
+    <p:extLst>
+      <p:ext uri="{BB962C8B-B14F-4D97-AF65-F5344CB8AC3E}">
+        <p14:creationId xmlns:p14="http://schemas.microsoft.com/office/powerpoint/2010/main" val="1246055996"/>
+      </p:ext>
+    </p:extLst>
+  </p:cSld>
+  <p:clrMapOvr>
+    <a:masterClrMapping/>
+  </p:clrMapOvr>
+</p:sld>
+</file>
+
+<file path=ppt/slides/slide7.xml><?xml version="1.0" encoding="utf-8"?>
+<p:sld xmlns:a="http://schemas.openxmlformats.org/drawingml/2006/main" xmlns:r="http://schemas.openxmlformats.org/officeDocument/2006/relationships" xmlns:p="http://schemas.openxmlformats.org/presentationml/2006/main">
+  <p:cSld>
+    <p:spTree>
+      <p:nvGrpSpPr>
+        <p:cNvPr id="1" name=""/>
+        <p:cNvGrpSpPr/>
+        <p:nvPr/>
+      </p:nvGrpSpPr>
+      <p:grpSpPr>
+        <a:xfrm>
+          <a:off x="0" y="0"/>
+          <a:ext cx="0" cy="0"/>
+          <a:chOff x="0" y="0"/>
+          <a:chExt cx="0" cy="0"/>
+        </a:xfrm>
+      </p:grpSpPr>
+      <p:pic>
+        <p:nvPicPr>
+          <p:cNvPr id="4" name="Tartalom helye 3"/>
+          <p:cNvPicPr>
+            <a:picLocks noGrp="1" noChangeAspect="1"/>
+          </p:cNvPicPr>
+          <p:nvPr>
+            <p:ph idx="1"/>
+          </p:nvPr>
+        </p:nvPicPr>
+        <p:blipFill>
+          <a:blip r:embed="rId2" cstate="print">
+            <a:extLst>
+              <a:ext uri="{28A0092B-C50C-407E-A947-70E740481C1C}">
+                <a14:useLocalDpi xmlns:a14="http://schemas.microsoft.com/office/drawing/2010/main" val="0"/>
+              </a:ext>
+            </a:extLst>
+          </a:blip>
+          <a:stretch>
+            <a:fillRect/>
+          </a:stretch>
+        </p:blipFill>
+        <p:spPr>
+          <a:xfrm>
+            <a:off x="-7940" y="0"/>
+            <a:ext cx="12220548" cy="6858000"/>
+          </a:xfrm>
+        </p:spPr>
+      </p:pic>
+    </p:spTree>
+    <p:extLst>
+      <p:ext uri="{BB962C8B-B14F-4D97-AF65-F5344CB8AC3E}">
+        <p14:creationId xmlns:p14="http://schemas.microsoft.com/office/powerpoint/2010/main" val="3148034596"/>
+      </p:ext>
+    </p:extLst>
+  </p:cSld>
+  <p:clrMapOvr>
+    <a:masterClrMapping/>
+  </p:clrMapOvr>
+</p:sld>
+</file>
+
+<file path=ppt/slides/slide8.xml><?xml version="1.0" encoding="utf-8"?>
+<p:sld xmlns:a="http://schemas.openxmlformats.org/drawingml/2006/main" xmlns:r="http://schemas.openxmlformats.org/officeDocument/2006/relationships" xmlns:p="http://schemas.openxmlformats.org/presentationml/2006/main">
+  <p:cSld>
+    <p:spTree>
+      <p:nvGrpSpPr>
+        <p:cNvPr id="1" name=""/>
+        <p:cNvGrpSpPr/>
+        <p:nvPr/>
+      </p:nvGrpSpPr>
+      <p:grpSpPr>
+        <a:xfrm>
+          <a:off x="0" y="0"/>
+          <a:ext cx="0" cy="0"/>
+          <a:chOff x="0" y="0"/>
+          <a:chExt cx="0" cy="0"/>
+        </a:xfrm>
+      </p:grpSpPr>
+      <p:sp>
+        <p:nvSpPr>
+          <p:cNvPr id="2" name="Cím 1"/>
+          <p:cNvSpPr>
+            <a:spLocks noGrp="1"/>
+          </p:cNvSpPr>
+          <p:nvPr>
+            <p:ph type="title"/>
+          </p:nvPr>
+        </p:nvSpPr>
+        <p:spPr>
+          <a:xfrm>
+            <a:off x="0" y="0"/>
+            <a:ext cx="12192000" cy="6858000"/>
+          </a:xfrm>
+        </p:spPr>
+        <p:txBody>
+          <a:bodyPr/>
+          <a:lstStyle/>
+          <a:p>
+            <a:pPr algn="ctr"/>
+            <a:r>
+              <a:rPr lang="hu-HU" dirty="0" smtClean="0"/>
+              <a:t>Kódolás utáni – közben osztály diagram</a:t>
+            </a:r>
+            <a:endParaRPr lang="hu-HU" dirty="0"/>
+          </a:p>
+        </p:txBody>
+      </p:sp>
+    </p:spTree>
+    <p:extLst>
+      <p:ext uri="{BB962C8B-B14F-4D97-AF65-F5344CB8AC3E}">
+        <p14:creationId xmlns:p14="http://schemas.microsoft.com/office/powerpoint/2010/main" val="126820590"/>
+      </p:ext>
+    </p:extLst>
+  </p:cSld>
+  <p:clrMapOvr>
+    <a:masterClrMapping/>
+  </p:clrMapOvr>
+</p:sld>
+</file>
+
+<file path=ppt/slides/slide9.xml><?xml version="1.0" encoding="utf-8"?>
+<p:sld xmlns:a="http://schemas.openxmlformats.org/drawingml/2006/main" xmlns:r="http://schemas.openxmlformats.org/officeDocument/2006/relationships" xmlns:p="http://schemas.openxmlformats.org/presentationml/2006/main">
+  <p:cSld>
+    <p:spTree>
+      <p:nvGrpSpPr>
+        <p:cNvPr id="1" name=""/>
+        <p:cNvGrpSpPr/>
+        <p:nvPr/>
+      </p:nvGrpSpPr>
+      <p:grpSpPr>
+        <a:xfrm>
+          <a:off x="0" y="0"/>
+          <a:ext cx="0" cy="0"/>
+          <a:chOff x="0" y="0"/>
+          <a:chExt cx="0" cy="0"/>
+        </a:xfrm>
+      </p:grpSpPr>
+      <p:sp>
+        <p:nvSpPr>
+          <p:cNvPr id="2" name="Cím 1"/>
+          <p:cNvSpPr>
+            <a:spLocks noGrp="1"/>
+          </p:cNvSpPr>
+          <p:nvPr>
+            <p:ph type="title"/>
+          </p:nvPr>
+        </p:nvSpPr>
+        <p:spPr/>
+        <p:txBody>
+          <a:bodyPr/>
+          <a:lstStyle/>
+          <a:p>
+            <a:endParaRPr lang="hu-HU"/>
+          </a:p>
+        </p:txBody>
+      </p:sp>
+      <p:pic>
+        <p:nvPicPr>
+          <p:cNvPr id="4" name="Tartalom helye 3"/>
+          <p:cNvPicPr>
+            <a:picLocks noGrp="1" noChangeAspect="1"/>
+          </p:cNvPicPr>
+          <p:nvPr>
+            <p:ph idx="1"/>
+          </p:nvPr>
+        </p:nvPicPr>
+        <p:blipFill>
+          <a:blip r:embed="rId2" cstate="print">
+            <a:extLst>
+              <a:ext uri="{28A0092B-C50C-407E-A947-70E740481C1C}">
+                <a14:useLocalDpi xmlns:a14="http://schemas.microsoft.com/office/drawing/2010/main" val="0"/>
+              </a:ext>
+            </a:extLst>
+          </a:blip>
+          <a:stretch>
+            <a:fillRect/>
+          </a:stretch>
+        </p:blipFill>
+        <p:spPr>
+          <a:xfrm>
+            <a:off x="-76200" y="0"/>
+            <a:ext cx="12268200" cy="6858000"/>
+          </a:xfrm>
+        </p:spPr>
+      </p:pic>
+    </p:spTree>
+    <p:extLst>
+      <p:ext uri="{BB962C8B-B14F-4D97-AF65-F5344CB8AC3E}">
+        <p14:creationId xmlns:p14="http://schemas.microsoft.com/office/powerpoint/2010/main" val="1797975807"/>
       </p:ext>
     </p:extLst>
   </p:cSld>

--- a/StatégiaiJáték.pptx
+++ b/StatégiaiJáték.pptx
@@ -7,6 +7,16 @@
   <p:sldIdLst>
     <p:sldId id="256" r:id="rId2"/>
     <p:sldId id="257" r:id="rId3"/>
+    <p:sldId id="258" r:id="rId4"/>
+    <p:sldId id="260" r:id="rId5"/>
+    <p:sldId id="259" r:id="rId6"/>
+    <p:sldId id="262" r:id="rId7"/>
+    <p:sldId id="263" r:id="rId8"/>
+    <p:sldId id="264" r:id="rId9"/>
+    <p:sldId id="265" r:id="rId10"/>
+    <p:sldId id="266" r:id="rId11"/>
+    <p:sldId id="267" r:id="rId12"/>
+    <p:sldId id="261" r:id="rId13"/>
   </p:sldIdLst>
   <p:sldSz cx="12192000" cy="6858000"/>
   <p:notesSz cx="6858000" cy="9144000"/>
@@ -105,6 +115,11 @@
       </a:defRPr>
     </a:lvl9pPr>
   </p:defaultTextStyle>
+  <p:extLst>
+    <p:ext uri="{EFAFB233-063F-42B5-8137-9DF3F51BA10A}">
+      <p15:sldGuideLst xmlns:p15="http://schemas.microsoft.com/office/powerpoint/2012/main"/>
+    </p:ext>
+  </p:extLst>
 </p:presentation>
 </file>
 
@@ -239,7 +254,7 @@
           <a:p>
             <a:fld id="{40B36233-CCDF-4570-A4E3-6B89F49A96A3}" type="datetimeFigureOut">
               <a:rPr lang="hu-HU" smtClean="0"/>
-              <a:t>2019. 04. 14.</a:t>
+              <a:t>2019. 04. 20.</a:t>
             </a:fld>
             <a:endParaRPr lang="hu-HU"/>
           </a:p>
@@ -409,7 +424,7 @@
           <a:p>
             <a:fld id="{40B36233-CCDF-4570-A4E3-6B89F49A96A3}" type="datetimeFigureOut">
               <a:rPr lang="hu-HU" smtClean="0"/>
-              <a:t>2019. 04. 14.</a:t>
+              <a:t>2019. 04. 20.</a:t>
             </a:fld>
             <a:endParaRPr lang="hu-HU"/>
           </a:p>
@@ -589,7 +604,7 @@
           <a:p>
             <a:fld id="{40B36233-CCDF-4570-A4E3-6B89F49A96A3}" type="datetimeFigureOut">
               <a:rPr lang="hu-HU" smtClean="0"/>
-              <a:t>2019. 04. 14.</a:t>
+              <a:t>2019. 04. 20.</a:t>
             </a:fld>
             <a:endParaRPr lang="hu-HU"/>
           </a:p>
@@ -759,7 +774,7 @@
           <a:p>
             <a:fld id="{40B36233-CCDF-4570-A4E3-6B89F49A96A3}" type="datetimeFigureOut">
               <a:rPr lang="hu-HU" smtClean="0"/>
-              <a:t>2019. 04. 14.</a:t>
+              <a:t>2019. 04. 20.</a:t>
             </a:fld>
             <a:endParaRPr lang="hu-HU"/>
           </a:p>
@@ -1005,7 +1020,7 @@
           <a:p>
             <a:fld id="{40B36233-CCDF-4570-A4E3-6B89F49A96A3}" type="datetimeFigureOut">
               <a:rPr lang="hu-HU" smtClean="0"/>
-              <a:t>2019. 04. 14.</a:t>
+              <a:t>2019. 04. 20.</a:t>
             </a:fld>
             <a:endParaRPr lang="hu-HU"/>
           </a:p>
@@ -1237,7 +1252,7 @@
           <a:p>
             <a:fld id="{40B36233-CCDF-4570-A4E3-6B89F49A96A3}" type="datetimeFigureOut">
               <a:rPr lang="hu-HU" smtClean="0"/>
-              <a:t>2019. 04. 14.</a:t>
+              <a:t>2019. 04. 20.</a:t>
             </a:fld>
             <a:endParaRPr lang="hu-HU"/>
           </a:p>
@@ -1604,7 +1619,7 @@
           <a:p>
             <a:fld id="{40B36233-CCDF-4570-A4E3-6B89F49A96A3}" type="datetimeFigureOut">
               <a:rPr lang="hu-HU" smtClean="0"/>
-              <a:t>2019. 04. 14.</a:t>
+              <a:t>2019. 04. 20.</a:t>
             </a:fld>
             <a:endParaRPr lang="hu-HU"/>
           </a:p>
@@ -1722,7 +1737,7 @@
           <a:p>
             <a:fld id="{40B36233-CCDF-4570-A4E3-6B89F49A96A3}" type="datetimeFigureOut">
               <a:rPr lang="hu-HU" smtClean="0"/>
-              <a:t>2019. 04. 14.</a:t>
+              <a:t>2019. 04. 20.</a:t>
             </a:fld>
             <a:endParaRPr lang="hu-HU"/>
           </a:p>
@@ -1817,7 +1832,7 @@
           <a:p>
             <a:fld id="{40B36233-CCDF-4570-A4E3-6B89F49A96A3}" type="datetimeFigureOut">
               <a:rPr lang="hu-HU" smtClean="0"/>
-              <a:t>2019. 04. 14.</a:t>
+              <a:t>2019. 04. 20.</a:t>
             </a:fld>
             <a:endParaRPr lang="hu-HU"/>
           </a:p>
@@ -2094,7 +2109,7 @@
           <a:p>
             <a:fld id="{40B36233-CCDF-4570-A4E3-6B89F49A96A3}" type="datetimeFigureOut">
               <a:rPr lang="hu-HU" smtClean="0"/>
-              <a:t>2019. 04. 14.</a:t>
+              <a:t>2019. 04. 20.</a:t>
             </a:fld>
             <a:endParaRPr lang="hu-HU"/>
           </a:p>
@@ -2347,7 +2362,7 @@
           <a:p>
             <a:fld id="{40B36233-CCDF-4570-A4E3-6B89F49A96A3}" type="datetimeFigureOut">
               <a:rPr lang="hu-HU" smtClean="0"/>
-              <a:t>2019. 04. 14.</a:t>
+              <a:t>2019. 04. 20.</a:t>
             </a:fld>
             <a:endParaRPr lang="hu-HU"/>
           </a:p>
@@ -2565,7 +2580,7 @@
           <a:p>
             <a:fld id="{40B36233-CCDF-4570-A4E3-6B89F49A96A3}" type="datetimeFigureOut">
               <a:rPr lang="hu-HU" smtClean="0"/>
-              <a:t>2019. 04. 14.</a:t>
+              <a:t>2019. 04. 20.</a:t>
             </a:fld>
             <a:endParaRPr lang="hu-HU"/>
           </a:p>
@@ -3018,6 +3033,211 @@
 </p:sld>
 </file>
 
+<file path=ppt/slides/slide10.xml><?xml version="1.0" encoding="utf-8"?>
+<p:sld xmlns:a="http://schemas.openxmlformats.org/drawingml/2006/main" xmlns:r="http://schemas.openxmlformats.org/officeDocument/2006/relationships" xmlns:p="http://schemas.openxmlformats.org/presentationml/2006/main">
+  <p:cSld>
+    <p:spTree>
+      <p:nvGrpSpPr>
+        <p:cNvPr id="1" name=""/>
+        <p:cNvGrpSpPr/>
+        <p:nvPr/>
+      </p:nvGrpSpPr>
+      <p:grpSpPr>
+        <a:xfrm>
+          <a:off x="0" y="0"/>
+          <a:ext cx="0" cy="0"/>
+          <a:chOff x="0" y="0"/>
+          <a:chExt cx="0" cy="0"/>
+        </a:xfrm>
+      </p:grpSpPr>
+      <p:sp>
+        <p:nvSpPr>
+          <p:cNvPr id="2" name="Cím 1"/>
+          <p:cNvSpPr>
+            <a:spLocks noGrp="1"/>
+          </p:cNvSpPr>
+          <p:nvPr>
+            <p:ph type="title"/>
+          </p:nvPr>
+        </p:nvSpPr>
+        <p:spPr>
+          <a:xfrm>
+            <a:off x="0" y="0"/>
+            <a:ext cx="12192000" cy="6857999"/>
+          </a:xfrm>
+        </p:spPr>
+        <p:txBody>
+          <a:bodyPr/>
+          <a:lstStyle/>
+          <a:p>
+            <a:pPr algn="ctr"/>
+            <a:r>
+              <a:rPr lang="hu-HU" dirty="0" smtClean="0"/>
+              <a:t>Végső osztály diagram</a:t>
+            </a:r>
+            <a:endParaRPr lang="hu-HU" dirty="0"/>
+          </a:p>
+        </p:txBody>
+      </p:sp>
+    </p:spTree>
+    <p:extLst>
+      <p:ext uri="{BB962C8B-B14F-4D97-AF65-F5344CB8AC3E}">
+        <p14:creationId xmlns:p14="http://schemas.microsoft.com/office/powerpoint/2010/main" val="1761968469"/>
+      </p:ext>
+    </p:extLst>
+  </p:cSld>
+  <p:clrMapOvr>
+    <a:masterClrMapping/>
+  </p:clrMapOvr>
+</p:sld>
+</file>
+
+<file path=ppt/slides/slide11.xml><?xml version="1.0" encoding="utf-8"?>
+<p:sld xmlns:a="http://schemas.openxmlformats.org/drawingml/2006/main" xmlns:r="http://schemas.openxmlformats.org/officeDocument/2006/relationships" xmlns:p="http://schemas.openxmlformats.org/presentationml/2006/main">
+  <p:cSld>
+    <p:spTree>
+      <p:nvGrpSpPr>
+        <p:cNvPr id="1" name=""/>
+        <p:cNvGrpSpPr/>
+        <p:nvPr/>
+      </p:nvGrpSpPr>
+      <p:grpSpPr>
+        <a:xfrm>
+          <a:off x="0" y="0"/>
+          <a:ext cx="0" cy="0"/>
+          <a:chOff x="0" y="0"/>
+          <a:chExt cx="0" cy="0"/>
+        </a:xfrm>
+      </p:grpSpPr>
+      <p:pic>
+        <p:nvPicPr>
+          <p:cNvPr id="4" name="Tartalom helye 3"/>
+          <p:cNvPicPr>
+            <a:picLocks noGrp="1" noChangeAspect="1"/>
+          </p:cNvPicPr>
+          <p:nvPr>
+            <p:ph idx="1"/>
+          </p:nvPr>
+        </p:nvPicPr>
+        <p:blipFill>
+          <a:blip r:embed="rId2">
+            <a:extLst>
+              <a:ext uri="{28A0092B-C50C-407E-A947-70E740481C1C}">
+                <a14:useLocalDpi xmlns:a14="http://schemas.microsoft.com/office/drawing/2010/main" val="0"/>
+              </a:ext>
+            </a:extLst>
+          </a:blip>
+          <a:stretch>
+            <a:fillRect/>
+          </a:stretch>
+        </p:blipFill>
+        <p:spPr>
+          <a:xfrm>
+            <a:off x="11018" y="0"/>
+            <a:ext cx="12180982" cy="6176963"/>
+          </a:xfrm>
+        </p:spPr>
+      </p:pic>
+    </p:spTree>
+    <p:extLst>
+      <p:ext uri="{BB962C8B-B14F-4D97-AF65-F5344CB8AC3E}">
+        <p14:creationId xmlns:p14="http://schemas.microsoft.com/office/powerpoint/2010/main" val="3220654662"/>
+      </p:ext>
+    </p:extLst>
+  </p:cSld>
+  <p:clrMapOvr>
+    <a:masterClrMapping/>
+  </p:clrMapOvr>
+</p:sld>
+</file>
+
+<file path=ppt/slides/slide12.xml><?xml version="1.0" encoding="utf-8"?>
+<p:sld xmlns:a="http://schemas.openxmlformats.org/drawingml/2006/main" xmlns:r="http://schemas.openxmlformats.org/officeDocument/2006/relationships" xmlns:p="http://schemas.openxmlformats.org/presentationml/2006/main">
+  <p:cSld>
+    <p:spTree>
+      <p:nvGrpSpPr>
+        <p:cNvPr id="1" name=""/>
+        <p:cNvGrpSpPr/>
+        <p:nvPr/>
+      </p:nvGrpSpPr>
+      <p:grpSpPr>
+        <a:xfrm>
+          <a:off x="0" y="0"/>
+          <a:ext cx="0" cy="0"/>
+          <a:chOff x="0" y="0"/>
+          <a:chExt cx="0" cy="0"/>
+        </a:xfrm>
+      </p:grpSpPr>
+      <p:sp>
+        <p:nvSpPr>
+          <p:cNvPr id="2" name="Cím 1"/>
+          <p:cNvSpPr>
+            <a:spLocks noGrp="1"/>
+          </p:cNvSpPr>
+          <p:nvPr>
+            <p:ph type="title"/>
+          </p:nvPr>
+        </p:nvSpPr>
+        <p:spPr/>
+        <p:txBody>
+          <a:bodyPr/>
+          <a:lstStyle/>
+          <a:p>
+            <a:r>
+              <a:rPr lang="hu-HU" dirty="0" smtClean="0"/>
+              <a:t>Tanulságok</a:t>
+            </a:r>
+            <a:endParaRPr lang="hu-HU" dirty="0"/>
+          </a:p>
+        </p:txBody>
+      </p:sp>
+      <p:sp>
+        <p:nvSpPr>
+          <p:cNvPr id="3" name="Tartalom helye 2"/>
+          <p:cNvSpPr>
+            <a:spLocks noGrp="1"/>
+          </p:cNvSpPr>
+          <p:nvPr>
+            <p:ph idx="1"/>
+          </p:nvPr>
+        </p:nvSpPr>
+        <p:spPr/>
+        <p:txBody>
+          <a:bodyPr/>
+          <a:lstStyle/>
+          <a:p>
+            <a:r>
+              <a:rPr lang="hu-HU" dirty="0" smtClean="0"/>
+              <a:t>Ez alapján készítettem az osztályokat, és a csomagokat, névtereket</a:t>
+            </a:r>
+          </a:p>
+          <a:p>
+            <a:r>
+              <a:rPr lang="hu-HU" dirty="0" smtClean="0"/>
+              <a:t>Tanulság1: Ne legyen a tervezes több idő, mint a kódolás maga.</a:t>
+            </a:r>
+          </a:p>
+          <a:p>
+            <a:r>
+              <a:rPr lang="hu-HU" dirty="0" smtClean="0"/>
+              <a:t>Tanulsag2 : Hagyj időt a kódolásra is, mert ott jönnek elő azok a hibák, amik számolgatva, nézelődve nem mindig ugranak be</a:t>
+            </a:r>
+          </a:p>
+        </p:txBody>
+      </p:sp>
+    </p:spTree>
+    <p:extLst>
+      <p:ext uri="{BB962C8B-B14F-4D97-AF65-F5344CB8AC3E}">
+        <p14:creationId xmlns:p14="http://schemas.microsoft.com/office/powerpoint/2010/main" val="1796306"/>
+      </p:ext>
+    </p:extLst>
+  </p:cSld>
+  <p:clrMapOvr>
+    <a:masterClrMapping/>
+  </p:clrMapOvr>
+</p:sld>
+</file>
+
 <file path=ppt/slides/slide2.xml><?xml version="1.0" encoding="utf-8"?>
 <p:sld xmlns:a="http://schemas.openxmlformats.org/drawingml/2006/main" xmlns:r="http://schemas.openxmlformats.org/officeDocument/2006/relationships" xmlns:p="http://schemas.openxmlformats.org/presentationml/2006/main">
   <p:cSld>
@@ -3050,7 +3270,11 @@
           <a:bodyPr/>
           <a:lstStyle/>
           <a:p>
-            <a:endParaRPr lang="hu-HU"/>
+            <a:r>
+              <a:rPr lang="hu-HU" dirty="0" smtClean="0"/>
+              <a:t>Alap koncepció</a:t>
+            </a:r>
+            <a:endParaRPr lang="hu-HU" dirty="0"/>
           </a:p>
         </p:txBody>
       </p:sp>
@@ -3069,7 +3293,41 @@
           <a:bodyPr/>
           <a:lstStyle/>
           <a:p>
-            <a:endParaRPr lang="hu-HU"/>
+            <a:r>
+              <a:rPr lang="hu-HU" dirty="0" smtClean="0"/>
+              <a:t>Stratégiai játék:	</a:t>
+            </a:r>
+            <a:endParaRPr lang="hu-HU" dirty="0"/>
+          </a:p>
+          <a:p>
+            <a:r>
+              <a:rPr lang="hu-HU" dirty="0" smtClean="0"/>
+              <a:t>Legyenek nyersanyagok</a:t>
+            </a:r>
+          </a:p>
+          <a:p>
+            <a:r>
+              <a:rPr lang="hu-HU" dirty="0" smtClean="0"/>
+              <a:t>Legyenek mezők, amik termelnek, vagy tárolnak, vagy mindkettő</a:t>
+            </a:r>
+          </a:p>
+          <a:p>
+            <a:r>
+              <a:rPr lang="hu-HU" dirty="0" smtClean="0"/>
+              <a:t>Legyenek játékosok, akik kezelik a termelést, tárolást</a:t>
+            </a:r>
+          </a:p>
+          <a:p>
+            <a:r>
+              <a:rPr lang="hu-HU" dirty="0" smtClean="0"/>
+              <a:t>Lehessen támadni, védekezni</a:t>
+            </a:r>
+          </a:p>
+          <a:p>
+            <a:pPr marL="0" indent="0">
+              <a:buNone/>
+            </a:pPr>
+            <a:endParaRPr lang="hu-HU" dirty="0" smtClean="0"/>
           </a:p>
         </p:txBody>
       </p:sp>
@@ -3077,6 +3335,546 @@
     <p:extLst>
       <p:ext uri="{BB962C8B-B14F-4D97-AF65-F5344CB8AC3E}">
         <p14:creationId xmlns:p14="http://schemas.microsoft.com/office/powerpoint/2010/main" val="908134961"/>
+      </p:ext>
+    </p:extLst>
+  </p:cSld>
+  <p:clrMapOvr>
+    <a:masterClrMapping/>
+  </p:clrMapOvr>
+</p:sld>
+</file>
+
+<file path=ppt/slides/slide3.xml><?xml version="1.0" encoding="utf-8"?>
+<p:sld xmlns:a="http://schemas.openxmlformats.org/drawingml/2006/main" xmlns:r="http://schemas.openxmlformats.org/officeDocument/2006/relationships" xmlns:p="http://schemas.openxmlformats.org/presentationml/2006/main">
+  <p:cSld>
+    <p:spTree>
+      <p:nvGrpSpPr>
+        <p:cNvPr id="1" name=""/>
+        <p:cNvGrpSpPr/>
+        <p:nvPr/>
+      </p:nvGrpSpPr>
+      <p:grpSpPr>
+        <a:xfrm>
+          <a:off x="0" y="0"/>
+          <a:ext cx="0" cy="0"/>
+          <a:chOff x="0" y="0"/>
+          <a:chExt cx="0" cy="0"/>
+        </a:xfrm>
+      </p:grpSpPr>
+      <p:sp>
+        <p:nvSpPr>
+          <p:cNvPr id="2" name="Cím 1"/>
+          <p:cNvSpPr>
+            <a:spLocks noGrp="1"/>
+          </p:cNvSpPr>
+          <p:nvPr>
+            <p:ph type="title"/>
+          </p:nvPr>
+        </p:nvSpPr>
+        <p:spPr/>
+        <p:txBody>
+          <a:bodyPr/>
+          <a:lstStyle/>
+          <a:p>
+            <a:r>
+              <a:rPr lang="hu-HU" dirty="0" smtClean="0"/>
+              <a:t>Feladatok</a:t>
+            </a:r>
+            <a:endParaRPr lang="hu-HU" dirty="0"/>
+          </a:p>
+        </p:txBody>
+      </p:sp>
+      <p:sp>
+        <p:nvSpPr>
+          <p:cNvPr id="3" name="Tartalom helye 2"/>
+          <p:cNvSpPr>
+            <a:spLocks noGrp="1"/>
+          </p:cNvSpPr>
+          <p:nvPr>
+            <p:ph idx="1"/>
+          </p:nvPr>
+        </p:nvSpPr>
+        <p:spPr/>
+        <p:txBody>
+          <a:bodyPr/>
+          <a:lstStyle/>
+          <a:p>
+            <a:r>
+              <a:rPr lang="hu-HU" dirty="0" smtClean="0"/>
+              <a:t>Mindenki önmagáért legyen felelős  (OO)</a:t>
+            </a:r>
+          </a:p>
+          <a:p>
+            <a:r>
+              <a:rPr lang="hu-HU" dirty="0" smtClean="0"/>
+              <a:t>Felelősségek: Termelés, Tárolás (Mezők)</a:t>
+            </a:r>
+          </a:p>
+          <a:p>
+            <a:r>
+              <a:rPr lang="hu-HU" dirty="0" smtClean="0"/>
+              <a:t>Kiíratás (</a:t>
+            </a:r>
+            <a:r>
+              <a:rPr lang="hu-HU" dirty="0" err="1" smtClean="0"/>
+              <a:t>Logger</a:t>
+            </a:r>
+            <a:r>
+              <a:rPr lang="hu-HU" dirty="0" smtClean="0"/>
+              <a:t>)</a:t>
+            </a:r>
+          </a:p>
+          <a:p>
+            <a:r>
+              <a:rPr lang="hu-HU" dirty="0" smtClean="0"/>
+              <a:t>Interakció (</a:t>
+            </a:r>
+            <a:r>
+              <a:rPr lang="hu-HU" dirty="0" err="1" smtClean="0"/>
+              <a:t>Render</a:t>
+            </a:r>
+            <a:r>
+              <a:rPr lang="hu-HU" dirty="0" smtClean="0"/>
+              <a:t>)</a:t>
+            </a:r>
+          </a:p>
+          <a:p>
+            <a:r>
+              <a:rPr lang="hu-HU" dirty="0" smtClean="0"/>
+              <a:t>Játékosok kezelése (</a:t>
+            </a:r>
+            <a:r>
+              <a:rPr lang="hu-HU" dirty="0" err="1" smtClean="0"/>
+              <a:t>Jatek</a:t>
+            </a:r>
+            <a:r>
+              <a:rPr lang="hu-HU" dirty="0" smtClean="0"/>
+              <a:t>)</a:t>
+            </a:r>
+          </a:p>
+          <a:p>
+            <a:r>
+              <a:rPr lang="hu-HU" dirty="0" smtClean="0"/>
+              <a:t>Játékosok saját mezők kezelése, támadás, védekezés, Termelési ciklus kezelése (</a:t>
+            </a:r>
+            <a:r>
+              <a:rPr lang="hu-HU" dirty="0" err="1" smtClean="0"/>
+              <a:t>Jatekos</a:t>
+            </a:r>
+            <a:r>
+              <a:rPr lang="hu-HU" dirty="0" smtClean="0"/>
+              <a:t>)</a:t>
+            </a:r>
+            <a:endParaRPr lang="hu-HU" dirty="0"/>
+          </a:p>
+        </p:txBody>
+      </p:sp>
+    </p:spTree>
+    <p:extLst>
+      <p:ext uri="{BB962C8B-B14F-4D97-AF65-F5344CB8AC3E}">
+        <p14:creationId xmlns:p14="http://schemas.microsoft.com/office/powerpoint/2010/main" val="1217815154"/>
+      </p:ext>
+    </p:extLst>
+  </p:cSld>
+  <p:clrMapOvr>
+    <a:masterClrMapping/>
+  </p:clrMapOvr>
+</p:sld>
+</file>
+
+<file path=ppt/slides/slide4.xml><?xml version="1.0" encoding="utf-8"?>
+<p:sld xmlns:a="http://schemas.openxmlformats.org/drawingml/2006/main" xmlns:r="http://schemas.openxmlformats.org/officeDocument/2006/relationships" xmlns:p="http://schemas.openxmlformats.org/presentationml/2006/main">
+  <p:cSld>
+    <p:spTree>
+      <p:nvGrpSpPr>
+        <p:cNvPr id="1" name=""/>
+        <p:cNvGrpSpPr/>
+        <p:nvPr/>
+      </p:nvGrpSpPr>
+      <p:grpSpPr>
+        <a:xfrm>
+          <a:off x="0" y="0"/>
+          <a:ext cx="0" cy="0"/>
+          <a:chOff x="0" y="0"/>
+          <a:chExt cx="0" cy="0"/>
+        </a:xfrm>
+      </p:grpSpPr>
+      <p:sp>
+        <p:nvSpPr>
+          <p:cNvPr id="4" name="Cím 1"/>
+          <p:cNvSpPr>
+            <a:spLocks noGrp="1"/>
+          </p:cNvSpPr>
+          <p:nvPr>
+            <p:ph type="title"/>
+          </p:nvPr>
+        </p:nvSpPr>
+        <p:spPr>
+          <a:xfrm>
+            <a:off x="0" y="0"/>
+            <a:ext cx="12192000" cy="6857999"/>
+          </a:xfrm>
+        </p:spPr>
+        <p:txBody>
+          <a:bodyPr/>
+          <a:lstStyle/>
+          <a:p>
+            <a:pPr algn="ctr"/>
+            <a:r>
+              <a:rPr lang="hu-HU" dirty="0" smtClean="0"/>
+              <a:t>Elindulási alap avagy hogyan szeretem volna, hogy működjön </a:t>
+            </a:r>
+            <a:br>
+              <a:rPr lang="hu-HU" dirty="0" smtClean="0"/>
+            </a:br>
+            <a:r>
+              <a:rPr lang="hu-HU" dirty="0" smtClean="0"/>
+              <a:t>Avagy a Játékmenet</a:t>
+            </a:r>
+            <a:endParaRPr lang="hu-HU" dirty="0"/>
+          </a:p>
+        </p:txBody>
+      </p:sp>
+    </p:spTree>
+    <p:extLst>
+      <p:ext uri="{BB962C8B-B14F-4D97-AF65-F5344CB8AC3E}">
+        <p14:creationId xmlns:p14="http://schemas.microsoft.com/office/powerpoint/2010/main" val="1160865091"/>
+      </p:ext>
+    </p:extLst>
+  </p:cSld>
+  <p:clrMapOvr>
+    <a:masterClrMapping/>
+  </p:clrMapOvr>
+</p:sld>
+</file>
+
+<file path=ppt/slides/slide5.xml><?xml version="1.0" encoding="utf-8"?>
+<p:sld xmlns:a="http://schemas.openxmlformats.org/drawingml/2006/main" xmlns:r="http://schemas.openxmlformats.org/officeDocument/2006/relationships" xmlns:p="http://schemas.openxmlformats.org/presentationml/2006/main">
+  <p:cSld>
+    <p:spTree>
+      <p:nvGrpSpPr>
+        <p:cNvPr id="1" name=""/>
+        <p:cNvGrpSpPr/>
+        <p:nvPr/>
+      </p:nvGrpSpPr>
+      <p:grpSpPr>
+        <a:xfrm>
+          <a:off x="0" y="0"/>
+          <a:ext cx="0" cy="0"/>
+          <a:chOff x="0" y="0"/>
+          <a:chExt cx="0" cy="0"/>
+        </a:xfrm>
+      </p:grpSpPr>
+      <p:sp>
+        <p:nvSpPr>
+          <p:cNvPr id="7" name="Cím 6"/>
+          <p:cNvSpPr>
+            <a:spLocks noGrp="1"/>
+          </p:cNvSpPr>
+          <p:nvPr>
+            <p:ph type="title"/>
+          </p:nvPr>
+        </p:nvSpPr>
+        <p:spPr/>
+        <p:txBody>
+          <a:bodyPr/>
+          <a:lstStyle/>
+          <a:p>
+            <a:endParaRPr lang="hu-HU"/>
+          </a:p>
+        </p:txBody>
+      </p:sp>
+      <p:pic>
+        <p:nvPicPr>
+          <p:cNvPr id="6" name="Tartalom helye 5"/>
+          <p:cNvPicPr>
+            <a:picLocks noGrp="1" noChangeAspect="1"/>
+          </p:cNvPicPr>
+          <p:nvPr>
+            <p:ph idx="1"/>
+          </p:nvPr>
+        </p:nvPicPr>
+        <p:blipFill>
+          <a:blip r:embed="rId2" cstate="print">
+            <a:extLst>
+              <a:ext uri="{28A0092B-C50C-407E-A947-70E740481C1C}">
+                <a14:useLocalDpi xmlns:a14="http://schemas.microsoft.com/office/drawing/2010/main" val="0"/>
+              </a:ext>
+            </a:extLst>
+          </a:blip>
+          <a:stretch>
+            <a:fillRect/>
+          </a:stretch>
+        </p:blipFill>
+        <p:spPr>
+          <a:xfrm>
+            <a:off x="0" y="1"/>
+            <a:ext cx="12192000" cy="6865184"/>
+          </a:xfrm>
+          <a:ln>
+            <a:noFill/>
+          </a:ln>
+        </p:spPr>
+      </p:pic>
+    </p:spTree>
+    <p:extLst>
+      <p:ext uri="{BB962C8B-B14F-4D97-AF65-F5344CB8AC3E}">
+        <p14:creationId xmlns:p14="http://schemas.microsoft.com/office/powerpoint/2010/main" val="2675178960"/>
+      </p:ext>
+    </p:extLst>
+  </p:cSld>
+  <p:clrMapOvr>
+    <a:masterClrMapping/>
+  </p:clrMapOvr>
+</p:sld>
+</file>
+
+<file path=ppt/slides/slide6.xml><?xml version="1.0" encoding="utf-8"?>
+<p:sld xmlns:a="http://schemas.openxmlformats.org/drawingml/2006/main" xmlns:r="http://schemas.openxmlformats.org/officeDocument/2006/relationships" xmlns:p="http://schemas.openxmlformats.org/presentationml/2006/main">
+  <p:cSld>
+    <p:spTree>
+      <p:nvGrpSpPr>
+        <p:cNvPr id="1" name=""/>
+        <p:cNvGrpSpPr/>
+        <p:nvPr/>
+      </p:nvGrpSpPr>
+      <p:grpSpPr>
+        <a:xfrm>
+          <a:off x="0" y="0"/>
+          <a:ext cx="0" cy="0"/>
+          <a:chOff x="0" y="0"/>
+          <a:chExt cx="0" cy="0"/>
+        </a:xfrm>
+      </p:grpSpPr>
+      <p:sp>
+        <p:nvSpPr>
+          <p:cNvPr id="2" name="Cím 1"/>
+          <p:cNvSpPr>
+            <a:spLocks noGrp="1"/>
+          </p:cNvSpPr>
+          <p:nvPr>
+            <p:ph type="title"/>
+          </p:nvPr>
+        </p:nvSpPr>
+        <p:spPr>
+          <a:xfrm>
+            <a:off x="0" y="0"/>
+            <a:ext cx="12192000" cy="6791325"/>
+          </a:xfrm>
+        </p:spPr>
+        <p:txBody>
+          <a:bodyPr/>
+          <a:lstStyle/>
+          <a:p>
+            <a:pPr algn="ctr"/>
+            <a:r>
+              <a:rPr lang="hu-HU" dirty="0" smtClean="0"/>
+              <a:t>Kódolás előtti osztálydiagram</a:t>
+            </a:r>
+            <a:endParaRPr lang="hu-HU" dirty="0"/>
+          </a:p>
+        </p:txBody>
+      </p:sp>
+    </p:spTree>
+    <p:extLst>
+      <p:ext uri="{BB962C8B-B14F-4D97-AF65-F5344CB8AC3E}">
+        <p14:creationId xmlns:p14="http://schemas.microsoft.com/office/powerpoint/2010/main" val="1246055996"/>
+      </p:ext>
+    </p:extLst>
+  </p:cSld>
+  <p:clrMapOvr>
+    <a:masterClrMapping/>
+  </p:clrMapOvr>
+</p:sld>
+</file>
+
+<file path=ppt/slides/slide7.xml><?xml version="1.0" encoding="utf-8"?>
+<p:sld xmlns:a="http://schemas.openxmlformats.org/drawingml/2006/main" xmlns:r="http://schemas.openxmlformats.org/officeDocument/2006/relationships" xmlns:p="http://schemas.openxmlformats.org/presentationml/2006/main">
+  <p:cSld>
+    <p:spTree>
+      <p:nvGrpSpPr>
+        <p:cNvPr id="1" name=""/>
+        <p:cNvGrpSpPr/>
+        <p:nvPr/>
+      </p:nvGrpSpPr>
+      <p:grpSpPr>
+        <a:xfrm>
+          <a:off x="0" y="0"/>
+          <a:ext cx="0" cy="0"/>
+          <a:chOff x="0" y="0"/>
+          <a:chExt cx="0" cy="0"/>
+        </a:xfrm>
+      </p:grpSpPr>
+      <p:pic>
+        <p:nvPicPr>
+          <p:cNvPr id="4" name="Tartalom helye 3"/>
+          <p:cNvPicPr>
+            <a:picLocks noGrp="1" noChangeAspect="1"/>
+          </p:cNvPicPr>
+          <p:nvPr>
+            <p:ph idx="1"/>
+          </p:nvPr>
+        </p:nvPicPr>
+        <p:blipFill>
+          <a:blip r:embed="rId2" cstate="print">
+            <a:extLst>
+              <a:ext uri="{28A0092B-C50C-407E-A947-70E740481C1C}">
+                <a14:useLocalDpi xmlns:a14="http://schemas.microsoft.com/office/drawing/2010/main" val="0"/>
+              </a:ext>
+            </a:extLst>
+          </a:blip>
+          <a:stretch>
+            <a:fillRect/>
+          </a:stretch>
+        </p:blipFill>
+        <p:spPr>
+          <a:xfrm>
+            <a:off x="-7940" y="0"/>
+            <a:ext cx="12220548" cy="6858000"/>
+          </a:xfrm>
+        </p:spPr>
+      </p:pic>
+    </p:spTree>
+    <p:extLst>
+      <p:ext uri="{BB962C8B-B14F-4D97-AF65-F5344CB8AC3E}">
+        <p14:creationId xmlns:p14="http://schemas.microsoft.com/office/powerpoint/2010/main" val="3148034596"/>
+      </p:ext>
+    </p:extLst>
+  </p:cSld>
+  <p:clrMapOvr>
+    <a:masterClrMapping/>
+  </p:clrMapOvr>
+</p:sld>
+</file>
+
+<file path=ppt/slides/slide8.xml><?xml version="1.0" encoding="utf-8"?>
+<p:sld xmlns:a="http://schemas.openxmlformats.org/drawingml/2006/main" xmlns:r="http://schemas.openxmlformats.org/officeDocument/2006/relationships" xmlns:p="http://schemas.openxmlformats.org/presentationml/2006/main">
+  <p:cSld>
+    <p:spTree>
+      <p:nvGrpSpPr>
+        <p:cNvPr id="1" name=""/>
+        <p:cNvGrpSpPr/>
+        <p:nvPr/>
+      </p:nvGrpSpPr>
+      <p:grpSpPr>
+        <a:xfrm>
+          <a:off x="0" y="0"/>
+          <a:ext cx="0" cy="0"/>
+          <a:chOff x="0" y="0"/>
+          <a:chExt cx="0" cy="0"/>
+        </a:xfrm>
+      </p:grpSpPr>
+      <p:sp>
+        <p:nvSpPr>
+          <p:cNvPr id="2" name="Cím 1"/>
+          <p:cNvSpPr>
+            <a:spLocks noGrp="1"/>
+          </p:cNvSpPr>
+          <p:nvPr>
+            <p:ph type="title"/>
+          </p:nvPr>
+        </p:nvSpPr>
+        <p:spPr>
+          <a:xfrm>
+            <a:off x="0" y="0"/>
+            <a:ext cx="12192000" cy="6858000"/>
+          </a:xfrm>
+        </p:spPr>
+        <p:txBody>
+          <a:bodyPr/>
+          <a:lstStyle/>
+          <a:p>
+            <a:pPr algn="ctr"/>
+            <a:r>
+              <a:rPr lang="hu-HU" dirty="0" smtClean="0"/>
+              <a:t>Kódolás utáni – közben osztály diagram</a:t>
+            </a:r>
+            <a:endParaRPr lang="hu-HU" dirty="0"/>
+          </a:p>
+        </p:txBody>
+      </p:sp>
+    </p:spTree>
+    <p:extLst>
+      <p:ext uri="{BB962C8B-B14F-4D97-AF65-F5344CB8AC3E}">
+        <p14:creationId xmlns:p14="http://schemas.microsoft.com/office/powerpoint/2010/main" val="126820590"/>
+      </p:ext>
+    </p:extLst>
+  </p:cSld>
+  <p:clrMapOvr>
+    <a:masterClrMapping/>
+  </p:clrMapOvr>
+</p:sld>
+</file>
+
+<file path=ppt/slides/slide9.xml><?xml version="1.0" encoding="utf-8"?>
+<p:sld xmlns:a="http://schemas.openxmlformats.org/drawingml/2006/main" xmlns:r="http://schemas.openxmlformats.org/officeDocument/2006/relationships" xmlns:p="http://schemas.openxmlformats.org/presentationml/2006/main">
+  <p:cSld>
+    <p:spTree>
+      <p:nvGrpSpPr>
+        <p:cNvPr id="1" name=""/>
+        <p:cNvGrpSpPr/>
+        <p:nvPr/>
+      </p:nvGrpSpPr>
+      <p:grpSpPr>
+        <a:xfrm>
+          <a:off x="0" y="0"/>
+          <a:ext cx="0" cy="0"/>
+          <a:chOff x="0" y="0"/>
+          <a:chExt cx="0" cy="0"/>
+        </a:xfrm>
+      </p:grpSpPr>
+      <p:sp>
+        <p:nvSpPr>
+          <p:cNvPr id="2" name="Cím 1"/>
+          <p:cNvSpPr>
+            <a:spLocks noGrp="1"/>
+          </p:cNvSpPr>
+          <p:nvPr>
+            <p:ph type="title"/>
+          </p:nvPr>
+        </p:nvSpPr>
+        <p:spPr/>
+        <p:txBody>
+          <a:bodyPr/>
+          <a:lstStyle/>
+          <a:p>
+            <a:endParaRPr lang="hu-HU"/>
+          </a:p>
+        </p:txBody>
+      </p:sp>
+      <p:pic>
+        <p:nvPicPr>
+          <p:cNvPr id="4" name="Tartalom helye 3"/>
+          <p:cNvPicPr>
+            <a:picLocks noGrp="1" noChangeAspect="1"/>
+          </p:cNvPicPr>
+          <p:nvPr>
+            <p:ph idx="1"/>
+          </p:nvPr>
+        </p:nvPicPr>
+        <p:blipFill>
+          <a:blip r:embed="rId2" cstate="print">
+            <a:extLst>
+              <a:ext uri="{28A0092B-C50C-407E-A947-70E740481C1C}">
+                <a14:useLocalDpi xmlns:a14="http://schemas.microsoft.com/office/drawing/2010/main" val="0"/>
+              </a:ext>
+            </a:extLst>
+          </a:blip>
+          <a:stretch>
+            <a:fillRect/>
+          </a:stretch>
+        </p:blipFill>
+        <p:spPr>
+          <a:xfrm>
+            <a:off x="-76200" y="0"/>
+            <a:ext cx="12268200" cy="6858000"/>
+          </a:xfrm>
+        </p:spPr>
+      </p:pic>
+    </p:spTree>
+    <p:extLst>
+      <p:ext uri="{BB962C8B-B14F-4D97-AF65-F5344CB8AC3E}">
+        <p14:creationId xmlns:p14="http://schemas.microsoft.com/office/powerpoint/2010/main" val="1797975807"/>
       </p:ext>
     </p:extLst>
   </p:cSld>
